--- a/7001/prac5-s4686474.pptx
+++ b/7001/prac5-s4686474.pptx
@@ -107,6 +107,11 @@
       </a:defRPr>
     </a:lvl9pPr>
   </p:defaultTextStyle>
+  <p:extLst>
+    <p:ext uri="{EFAFB233-063F-42B5-8137-9DF3F51BA10A}">
+      <p15:sldGuideLst xmlns:p15="http://schemas.microsoft.com/office/powerpoint/2012/main"/>
+    </p:ext>
+  </p:extLst>
 </p:presentation>
 </file>
 
@@ -257,7 +262,7 @@
           <a:p>
             <a:fld id="{31841881-5161-D141-BEB3-35028E2CF562}" type="datetimeFigureOut">
               <a:rPr kumimoji="1" lang="zh-CN" altLang="en-US" smtClean="0"/>
-              <a:t>2023/5/1</a:t>
+              <a:t>2023/5/4</a:t>
             </a:fld>
             <a:endParaRPr kumimoji="1" lang="zh-CN" altLang="en-US"/>
           </a:p>
@@ -455,7 +460,7 @@
           <a:p>
             <a:fld id="{31841881-5161-D141-BEB3-35028E2CF562}" type="datetimeFigureOut">
               <a:rPr kumimoji="1" lang="zh-CN" altLang="en-US" smtClean="0"/>
-              <a:t>2023/5/1</a:t>
+              <a:t>2023/5/4</a:t>
             </a:fld>
             <a:endParaRPr kumimoji="1" lang="zh-CN" altLang="en-US"/>
           </a:p>
@@ -663,7 +668,7 @@
           <a:p>
             <a:fld id="{31841881-5161-D141-BEB3-35028E2CF562}" type="datetimeFigureOut">
               <a:rPr kumimoji="1" lang="zh-CN" altLang="en-US" smtClean="0"/>
-              <a:t>2023/5/1</a:t>
+              <a:t>2023/5/4</a:t>
             </a:fld>
             <a:endParaRPr kumimoji="1" lang="zh-CN" altLang="en-US"/>
           </a:p>
@@ -861,7 +866,7 @@
           <a:p>
             <a:fld id="{31841881-5161-D141-BEB3-35028E2CF562}" type="datetimeFigureOut">
               <a:rPr kumimoji="1" lang="zh-CN" altLang="en-US" smtClean="0"/>
-              <a:t>2023/5/1</a:t>
+              <a:t>2023/5/4</a:t>
             </a:fld>
             <a:endParaRPr kumimoji="1" lang="zh-CN" altLang="en-US"/>
           </a:p>
@@ -1136,7 +1141,7 @@
           <a:p>
             <a:fld id="{31841881-5161-D141-BEB3-35028E2CF562}" type="datetimeFigureOut">
               <a:rPr kumimoji="1" lang="zh-CN" altLang="en-US" smtClean="0"/>
-              <a:t>2023/5/1</a:t>
+              <a:t>2023/5/4</a:t>
             </a:fld>
             <a:endParaRPr kumimoji="1" lang="zh-CN" altLang="en-US"/>
           </a:p>
@@ -1401,7 +1406,7 @@
           <a:p>
             <a:fld id="{31841881-5161-D141-BEB3-35028E2CF562}" type="datetimeFigureOut">
               <a:rPr kumimoji="1" lang="zh-CN" altLang="en-US" smtClean="0"/>
-              <a:t>2023/5/1</a:t>
+              <a:t>2023/5/4</a:t>
             </a:fld>
             <a:endParaRPr kumimoji="1" lang="zh-CN" altLang="en-US"/>
           </a:p>
@@ -1813,7 +1818,7 @@
           <a:p>
             <a:fld id="{31841881-5161-D141-BEB3-35028E2CF562}" type="datetimeFigureOut">
               <a:rPr kumimoji="1" lang="zh-CN" altLang="en-US" smtClean="0"/>
-              <a:t>2023/5/1</a:t>
+              <a:t>2023/5/4</a:t>
             </a:fld>
             <a:endParaRPr kumimoji="1" lang="zh-CN" altLang="en-US"/>
           </a:p>
@@ -1954,7 +1959,7 @@
           <a:p>
             <a:fld id="{31841881-5161-D141-BEB3-35028E2CF562}" type="datetimeFigureOut">
               <a:rPr kumimoji="1" lang="zh-CN" altLang="en-US" smtClean="0"/>
-              <a:t>2023/5/1</a:t>
+              <a:t>2023/5/4</a:t>
             </a:fld>
             <a:endParaRPr kumimoji="1" lang="zh-CN" altLang="en-US"/>
           </a:p>
@@ -2067,7 +2072,7 @@
           <a:p>
             <a:fld id="{31841881-5161-D141-BEB3-35028E2CF562}" type="datetimeFigureOut">
               <a:rPr kumimoji="1" lang="zh-CN" altLang="en-US" smtClean="0"/>
-              <a:t>2023/5/1</a:t>
+              <a:t>2023/5/4</a:t>
             </a:fld>
             <a:endParaRPr kumimoji="1" lang="zh-CN" altLang="en-US"/>
           </a:p>
@@ -2378,7 +2383,7 @@
           <a:p>
             <a:fld id="{31841881-5161-D141-BEB3-35028E2CF562}" type="datetimeFigureOut">
               <a:rPr kumimoji="1" lang="zh-CN" altLang="en-US" smtClean="0"/>
-              <a:t>2023/5/1</a:t>
+              <a:t>2023/5/4</a:t>
             </a:fld>
             <a:endParaRPr kumimoji="1" lang="zh-CN" altLang="en-US"/>
           </a:p>
@@ -2666,7 +2671,7 @@
           <a:p>
             <a:fld id="{31841881-5161-D141-BEB3-35028E2CF562}" type="datetimeFigureOut">
               <a:rPr kumimoji="1" lang="zh-CN" altLang="en-US" smtClean="0"/>
-              <a:t>2023/5/1</a:t>
+              <a:t>2023/5/4</a:t>
             </a:fld>
             <a:endParaRPr kumimoji="1" lang="zh-CN" altLang="en-US"/>
           </a:p>
@@ -2907,7 +2912,7 @@
           <a:p>
             <a:fld id="{31841881-5161-D141-BEB3-35028E2CF562}" type="datetimeFigureOut">
               <a:rPr kumimoji="1" lang="zh-CN" altLang="en-US" smtClean="0"/>
-              <a:t>2023/5/1</a:t>
+              <a:t>2023/5/4</a:t>
             </a:fld>
             <a:endParaRPr kumimoji="1" lang="zh-CN" altLang="en-US"/>
           </a:p>
@@ -3598,60 +3603,6 @@
       </p:sp>
       <p:sp>
         <p:nvSpPr>
-          <p:cNvPr id="2" name="标题 1">
-            <a:extLst>
-              <a:ext uri="{FF2B5EF4-FFF2-40B4-BE49-F238E27FC236}">
-                <a16:creationId xmlns:a16="http://schemas.microsoft.com/office/drawing/2014/main" id="{667C253C-A2AC-FF0E-050C-697ABA3C221A}"/>
-              </a:ext>
-            </a:extLst>
-          </p:cNvPr>
-          <p:cNvSpPr>
-            <a:spLocks noGrp="1"/>
-          </p:cNvSpPr>
-          <p:nvPr>
-            <p:ph type="title"/>
-          </p:nvPr>
-        </p:nvSpPr>
-        <p:spPr>
-          <a:xfrm>
-            <a:off x="640080" y="2074363"/>
-            <a:ext cx="2752354" cy="2709275"/>
-          </a:xfrm>
-          <a:prstGeom prst="ellipse">
-            <a:avLst/>
-          </a:prstGeom>
-          <a:solidFill>
-            <a:srgbClr val="262626"/>
-          </a:solidFill>
-          <a:ln w="174625" cmpd="thinThick">
-            <a:solidFill>
-              <a:srgbClr val="262626"/>
-            </a:solidFill>
-          </a:ln>
-        </p:spPr>
-        <p:txBody>
-          <a:bodyPr vert="horz" lIns="91440" tIns="45720" rIns="91440" bIns="45720" rtlCol="0" anchor="ctr">
-            <a:normAutofit/>
-          </a:bodyPr>
-          <a:lstStyle/>
-          <a:p>
-            <a:pPr algn="ctr"/>
-            <a:r>
-              <a:rPr kumimoji="1" lang="en-US" altLang="zh-CN" sz="2600" kern="1200">
-                <a:solidFill>
-                  <a:srgbClr val="FFFFFF"/>
-                </a:solidFill>
-                <a:latin typeface="+mj-lt"/>
-                <a:ea typeface="+mj-ea"/>
-                <a:cs typeface="+mj-cs"/>
-              </a:rPr>
-              <a:t>Key Graphic 1</a:t>
-            </a:r>
-          </a:p>
-        </p:txBody>
-      </p:sp>
-      <p:sp>
-        <p:nvSpPr>
           <p:cNvPr id="34" name="文本框 33">
             <a:extLst>
               <a:ext uri="{FF2B5EF4-FFF2-40B4-BE49-F238E27FC236}">
@@ -3713,11 +3664,47 @@
         </p:blipFill>
         <p:spPr>
           <a:xfrm>
-            <a:off x="3259912" y="256831"/>
+            <a:off x="3031686" y="342546"/>
             <a:ext cx="8662510" cy="4879974"/>
           </a:xfrm>
         </p:spPr>
       </p:pic>
+      <p:sp>
+        <p:nvSpPr>
+          <p:cNvPr id="4" name="标题 3">
+            <a:extLst>
+              <a:ext uri="{FF2B5EF4-FFF2-40B4-BE49-F238E27FC236}">
+                <a16:creationId xmlns:a16="http://schemas.microsoft.com/office/drawing/2014/main" id="{5A908553-2960-C44E-D27E-A136834051EE}"/>
+              </a:ext>
+            </a:extLst>
+          </p:cNvPr>
+          <p:cNvSpPr>
+            <a:spLocks noGrp="1"/>
+          </p:cNvSpPr>
+          <p:nvPr>
+            <p:ph type="title"/>
+          </p:nvPr>
+        </p:nvSpPr>
+        <p:spPr>
+          <a:xfrm>
+            <a:off x="115712" y="26457"/>
+            <a:ext cx="1897846" cy="6464653"/>
+          </a:xfrm>
+        </p:spPr>
+        <p:txBody>
+          <a:bodyPr>
+            <a:noAutofit/>
+          </a:bodyPr>
+          <a:lstStyle/>
+          <a:p>
+            <a:r>
+              <a:rPr lang="en-AU" altLang="zh-CN" sz="2400" b="1" dirty="0"/>
+              <a:t>What factors may contribute to the higher incidence of homicides among the 18-28 age group and the higher incidence of suicides among the 48-61 age group?</a:t>
+            </a:r>
+            <a:endParaRPr lang="zh-CN" altLang="en-US" sz="2400" b="1" dirty="0"/>
+          </a:p>
+        </p:txBody>
+      </p:sp>
     </p:spTree>
     <p:extLst>
       <p:ext uri="{BB962C8B-B14F-4D97-AF65-F5344CB8AC3E}">
@@ -3935,8 +3922,8 @@
         </p:blipFill>
         <p:spPr>
           <a:xfrm>
-            <a:off x="186025" y="192156"/>
-            <a:ext cx="9348698" cy="5759520"/>
+            <a:off x="2417525" y="62480"/>
+            <a:ext cx="9097142" cy="5604542"/>
           </a:xfrm>
         </p:spPr>
       </p:pic>
@@ -3954,8 +3941,8 @@
         </p:nvSpPr>
         <p:spPr>
           <a:xfrm>
-            <a:off x="9886122" y="410817"/>
-            <a:ext cx="2040835" cy="5324535"/>
+            <a:off x="1627124" y="5667022"/>
+            <a:ext cx="9887543" cy="1015663"/>
           </a:xfrm>
           <a:prstGeom prst="rect">
             <a:avLst/>
@@ -3976,6 +3963,46 @@
               <a:t>Through these three different bar graphs from different years, we can clearly observe that the highest number of deaths occurred in the educational level 2 category, followed by a significantly higher number of deaths in males compared to females.</a:t>
             </a:r>
             <a:endParaRPr kumimoji="1" lang="zh-CN" altLang="en-US" sz="2000" dirty="0"/>
+          </a:p>
+        </p:txBody>
+      </p:sp>
+      <p:sp>
+        <p:nvSpPr>
+          <p:cNvPr id="2" name="文本框 1">
+            <a:extLst>
+              <a:ext uri="{FF2B5EF4-FFF2-40B4-BE49-F238E27FC236}">
+                <a16:creationId xmlns:a16="http://schemas.microsoft.com/office/drawing/2014/main" id="{6A3A32C9-AD55-C35F-A435-6CF2B598D7DE}"/>
+              </a:ext>
+            </a:extLst>
+          </p:cNvPr>
+          <p:cNvSpPr txBox="1"/>
+          <p:nvPr/>
+        </p:nvSpPr>
+        <p:spPr>
+          <a:xfrm>
+            <a:off x="146756" y="214489"/>
+            <a:ext cx="2009422" cy="4893647"/>
+          </a:xfrm>
+          <a:prstGeom prst="rect">
+            <a:avLst/>
+          </a:prstGeom>
+          <a:noFill/>
+        </p:spPr>
+        <p:txBody>
+          <a:bodyPr wrap="square" rtlCol="0">
+            <a:spAutoFit/>
+          </a:bodyPr>
+          <a:lstStyle/>
+          <a:p>
+            <a:r>
+              <a:rPr lang="en-AU" altLang="zh-CN" sz="2400" b="1" dirty="0">
+                <a:latin typeface="Söhne"/>
+              </a:rPr>
+              <a:t>What factors contribute to the higher mortality rates observed among individuals with educational level 2 and how can this be addressed?</a:t>
+            </a:r>
+            <a:endParaRPr lang="zh-CN" altLang="en-US" sz="2400" b="1" dirty="0">
+              <a:latin typeface="Söhne"/>
+            </a:endParaRPr>
           </a:p>
         </p:txBody>
       </p:sp>
@@ -4041,10 +4068,10 @@
       </p:sp>
       <p:pic>
         <p:nvPicPr>
-          <p:cNvPr id="5" name="内容占位符 4" descr="图表, 散点图&#10;&#10;描述已自动生成">
-            <a:extLst>
-              <a:ext uri="{FF2B5EF4-FFF2-40B4-BE49-F238E27FC236}">
-                <a16:creationId xmlns:a16="http://schemas.microsoft.com/office/drawing/2014/main" id="{0928822F-0ED6-5765-E4A7-5DACD109B3CA}"/>
+          <p:cNvPr id="9" name="内容占位符 8" descr="图表&#10;&#10;描述已自动生成">
+            <a:extLst>
+              <a:ext uri="{FF2B5EF4-FFF2-40B4-BE49-F238E27FC236}">
+                <a16:creationId xmlns:a16="http://schemas.microsoft.com/office/drawing/2014/main" id="{39608FE8-0FB9-6A8C-9D33-8B7B77C11F43}"/>
               </a:ext>
             </a:extLst>
           </p:cNvPr>
@@ -4063,17 +4090,17 @@
         </p:blipFill>
         <p:spPr>
           <a:xfrm>
-            <a:off x="21042" y="0"/>
-            <a:ext cx="10494558" cy="6579704"/>
+            <a:off x="0" y="1"/>
+            <a:ext cx="10389476" cy="5962688"/>
           </a:xfrm>
         </p:spPr>
       </p:pic>
       <p:sp>
         <p:nvSpPr>
-          <p:cNvPr id="6" name="文本框 5">
-            <a:extLst>
-              <a:ext uri="{FF2B5EF4-FFF2-40B4-BE49-F238E27FC236}">
-                <a16:creationId xmlns:a16="http://schemas.microsoft.com/office/drawing/2014/main" id="{19664E9B-AF21-8DF5-4691-51526636B2A2}"/>
+          <p:cNvPr id="12" name="文本框 11">
+            <a:extLst>
+              <a:ext uri="{FF2B5EF4-FFF2-40B4-BE49-F238E27FC236}">
+                <a16:creationId xmlns:a16="http://schemas.microsoft.com/office/drawing/2014/main" id="{2ECB4F2E-5CF3-83E5-BC55-FA83A89C6033}"/>
               </a:ext>
             </a:extLst>
           </p:cNvPr>
@@ -4082,8 +4109,8 @@
         </p:nvSpPr>
         <p:spPr>
           <a:xfrm>
-            <a:off x="9872869" y="473696"/>
-            <a:ext cx="1749287" cy="5632311"/>
+            <a:off x="733778" y="5962689"/>
+            <a:ext cx="8376356" cy="646331"/>
           </a:xfrm>
           <a:prstGeom prst="rect">
             <a:avLst/>
@@ -4097,13 +4124,46 @@
           <a:lstStyle/>
           <a:p>
             <a:r>
-              <a:rPr lang="en-AU" altLang="zh-CN" sz="2400" b="0" i="0" dirty="0">
-                <a:effectLst/>
-                <a:latin typeface="Söhne"/>
-              </a:rPr>
-              <a:t>This graph clearly shows the changing trends in causes of death among individuals with different educational levels over a period of three years.</a:t>
-            </a:r>
-            <a:endParaRPr kumimoji="1" lang="zh-CN" altLang="en-US" sz="2400" dirty="0"/>
+              <a:rPr kumimoji="1" lang="en-AU" altLang="zh-CN" dirty="0"/>
+              <a:t>By our analysis, the number of whites who committed suicide during this three-year period far exceeded the number of deaths of other race of people</a:t>
+            </a:r>
+            <a:endParaRPr kumimoji="1" lang="zh-CN" altLang="en-US" dirty="0"/>
+          </a:p>
+        </p:txBody>
+      </p:sp>
+      <p:sp>
+        <p:nvSpPr>
+          <p:cNvPr id="13" name="文本框 12">
+            <a:extLst>
+              <a:ext uri="{FF2B5EF4-FFF2-40B4-BE49-F238E27FC236}">
+                <a16:creationId xmlns:a16="http://schemas.microsoft.com/office/drawing/2014/main" id="{DE8815F0-5A5C-6D51-678C-73A9B9538D8B}"/>
+              </a:ext>
+            </a:extLst>
+          </p:cNvPr>
+          <p:cNvSpPr txBox="1"/>
+          <p:nvPr/>
+        </p:nvSpPr>
+        <p:spPr>
+          <a:xfrm>
+            <a:off x="10389476" y="508001"/>
+            <a:ext cx="1723503" cy="6001643"/>
+          </a:xfrm>
+          <a:prstGeom prst="rect">
+            <a:avLst/>
+          </a:prstGeom>
+          <a:noFill/>
+        </p:spPr>
+        <p:txBody>
+          <a:bodyPr wrap="square" rtlCol="0">
+            <a:spAutoFit/>
+          </a:bodyPr>
+          <a:lstStyle/>
+          <a:p>
+            <a:r>
+              <a:rPr kumimoji="1" lang="en-AU" altLang="zh-CN" sz="2400" b="1" dirty="0"/>
+              <a:t>What factors could contribute to the higher rate of suicide among white individuals compared to other races during a three-year period?</a:t>
+            </a:r>
+            <a:endParaRPr kumimoji="1" lang="zh-CN" altLang="en-US" sz="2400" b="1" dirty="0"/>
           </a:p>
         </p:txBody>
       </p:sp>

--- a/7001/prac5-s4686474.pptx
+++ b/7001/prac5-s4686474.pptx
@@ -4,6 +4,9 @@
   <p:sldMasterIdLst>
     <p:sldMasterId id="2147483648" r:id="rId1"/>
   </p:sldMasterIdLst>
+  <p:notesMasterIdLst>
+    <p:notesMasterId r:id="rId6"/>
+  </p:notesMasterIdLst>
   <p:sldIdLst>
     <p:sldId id="256" r:id="rId2"/>
     <p:sldId id="257" r:id="rId3"/>
@@ -115,6 +118,685 @@
 </p:presentation>
 </file>
 
+<file path=ppt/notesMasters/notesMaster1.xml><?xml version="1.0" encoding="utf-8"?>
+<p:notesMaster xmlns:a="http://schemas.openxmlformats.org/drawingml/2006/main" xmlns:r="http://schemas.openxmlformats.org/officeDocument/2006/relationships" xmlns:p="http://schemas.openxmlformats.org/presentationml/2006/main">
+  <p:cSld>
+    <p:bg>
+      <p:bgRef idx="1001">
+        <a:schemeClr val="bg1"/>
+      </p:bgRef>
+    </p:bg>
+    <p:spTree>
+      <p:nvGrpSpPr>
+        <p:cNvPr id="1" name=""/>
+        <p:cNvGrpSpPr/>
+        <p:nvPr/>
+      </p:nvGrpSpPr>
+      <p:grpSpPr>
+        <a:xfrm>
+          <a:off x="0" y="0"/>
+          <a:ext cx="0" cy="0"/>
+          <a:chOff x="0" y="0"/>
+          <a:chExt cx="0" cy="0"/>
+        </a:xfrm>
+      </p:grpSpPr>
+      <p:sp>
+        <p:nvSpPr>
+          <p:cNvPr id="2" name="页眉占位符 1"/>
+          <p:cNvSpPr>
+            <a:spLocks noGrp="1"/>
+          </p:cNvSpPr>
+          <p:nvPr>
+            <p:ph type="hdr" sz="quarter"/>
+          </p:nvPr>
+        </p:nvSpPr>
+        <p:spPr>
+          <a:xfrm>
+            <a:off x="0" y="0"/>
+            <a:ext cx="2971800" cy="458788"/>
+          </a:xfrm>
+          <a:prstGeom prst="rect">
+            <a:avLst/>
+          </a:prstGeom>
+        </p:spPr>
+        <p:txBody>
+          <a:bodyPr vert="horz" lIns="91440" tIns="45720" rIns="91440" bIns="45720" rtlCol="0"/>
+          <a:lstStyle>
+            <a:lvl1pPr algn="l">
+              <a:defRPr sz="1200"/>
+            </a:lvl1pPr>
+          </a:lstStyle>
+          <a:p>
+            <a:endParaRPr kumimoji="1" lang="zh-CN" altLang="en-US"/>
+          </a:p>
+        </p:txBody>
+      </p:sp>
+      <p:sp>
+        <p:nvSpPr>
+          <p:cNvPr id="3" name="日期占位符 2"/>
+          <p:cNvSpPr>
+            <a:spLocks noGrp="1"/>
+          </p:cNvSpPr>
+          <p:nvPr>
+            <p:ph type="dt" idx="1"/>
+          </p:nvPr>
+        </p:nvSpPr>
+        <p:spPr>
+          <a:xfrm>
+            <a:off x="3884613" y="0"/>
+            <a:ext cx="2971800" cy="458788"/>
+          </a:xfrm>
+          <a:prstGeom prst="rect">
+            <a:avLst/>
+          </a:prstGeom>
+        </p:spPr>
+        <p:txBody>
+          <a:bodyPr vert="horz" lIns="91440" tIns="45720" rIns="91440" bIns="45720" rtlCol="0"/>
+          <a:lstStyle>
+            <a:lvl1pPr algn="r">
+              <a:defRPr sz="1200"/>
+            </a:lvl1pPr>
+          </a:lstStyle>
+          <a:p>
+            <a:fld id="{A25C5B99-81BA-4648-A67D-E57ABFD87614}" type="datetimeFigureOut">
+              <a:rPr kumimoji="1" lang="zh-CN" altLang="en-US" smtClean="0"/>
+              <a:t>2023/5/5</a:t>
+            </a:fld>
+            <a:endParaRPr kumimoji="1" lang="zh-CN" altLang="en-US"/>
+          </a:p>
+        </p:txBody>
+      </p:sp>
+      <p:sp>
+        <p:nvSpPr>
+          <p:cNvPr id="4" name="幻灯片图像占位符 3"/>
+          <p:cNvSpPr>
+            <a:spLocks noGrp="1" noRot="1" noChangeAspect="1"/>
+          </p:cNvSpPr>
+          <p:nvPr>
+            <p:ph type="sldImg" idx="2"/>
+          </p:nvPr>
+        </p:nvSpPr>
+        <p:spPr>
+          <a:xfrm>
+            <a:off x="685800" y="1143000"/>
+            <a:ext cx="5486400" cy="3086100"/>
+          </a:xfrm>
+          <a:prstGeom prst="rect">
+            <a:avLst/>
+          </a:prstGeom>
+          <a:noFill/>
+          <a:ln w="12700">
+            <a:solidFill>
+              <a:prstClr val="black"/>
+            </a:solidFill>
+          </a:ln>
+        </p:spPr>
+        <p:txBody>
+          <a:bodyPr vert="horz" lIns="91440" tIns="45720" rIns="91440" bIns="45720" rtlCol="0" anchor="ctr"/>
+          <a:lstStyle/>
+          <a:p>
+            <a:endParaRPr lang="zh-CN" altLang="en-US"/>
+          </a:p>
+        </p:txBody>
+      </p:sp>
+      <p:sp>
+        <p:nvSpPr>
+          <p:cNvPr id="5" name="备注占位符 4"/>
+          <p:cNvSpPr>
+            <a:spLocks noGrp="1"/>
+          </p:cNvSpPr>
+          <p:nvPr>
+            <p:ph type="body" sz="quarter" idx="3"/>
+          </p:nvPr>
+        </p:nvSpPr>
+        <p:spPr>
+          <a:xfrm>
+            <a:off x="685800" y="4400550"/>
+            <a:ext cx="5486400" cy="3600450"/>
+          </a:xfrm>
+          <a:prstGeom prst="rect">
+            <a:avLst/>
+          </a:prstGeom>
+        </p:spPr>
+        <p:txBody>
+          <a:bodyPr vert="horz" lIns="91440" tIns="45720" rIns="91440" bIns="45720" rtlCol="0"/>
+          <a:lstStyle/>
+          <a:p>
+            <a:pPr lvl="0"/>
+            <a:r>
+              <a:rPr kumimoji="1" lang="zh-CN" altLang="en-US"/>
+              <a:t>单击此处编辑母版文本样式</a:t>
+            </a:r>
+          </a:p>
+          <a:p>
+            <a:pPr lvl="1"/>
+            <a:r>
+              <a:rPr kumimoji="1" lang="zh-CN" altLang="en-US"/>
+              <a:t>二级</a:t>
+            </a:r>
+          </a:p>
+          <a:p>
+            <a:pPr lvl="2"/>
+            <a:r>
+              <a:rPr kumimoji="1" lang="zh-CN" altLang="en-US"/>
+              <a:t>三级</a:t>
+            </a:r>
+          </a:p>
+          <a:p>
+            <a:pPr lvl="3"/>
+            <a:r>
+              <a:rPr kumimoji="1" lang="zh-CN" altLang="en-US"/>
+              <a:t>四级</a:t>
+            </a:r>
+          </a:p>
+          <a:p>
+            <a:pPr lvl="4"/>
+            <a:r>
+              <a:rPr kumimoji="1" lang="zh-CN" altLang="en-US"/>
+              <a:t>五级</a:t>
+            </a:r>
+          </a:p>
+        </p:txBody>
+      </p:sp>
+      <p:sp>
+        <p:nvSpPr>
+          <p:cNvPr id="6" name="页脚占位符 5"/>
+          <p:cNvSpPr>
+            <a:spLocks noGrp="1"/>
+          </p:cNvSpPr>
+          <p:nvPr>
+            <p:ph type="ftr" sz="quarter" idx="4"/>
+          </p:nvPr>
+        </p:nvSpPr>
+        <p:spPr>
+          <a:xfrm>
+            <a:off x="0" y="8685213"/>
+            <a:ext cx="2971800" cy="458787"/>
+          </a:xfrm>
+          <a:prstGeom prst="rect">
+            <a:avLst/>
+          </a:prstGeom>
+        </p:spPr>
+        <p:txBody>
+          <a:bodyPr vert="horz" lIns="91440" tIns="45720" rIns="91440" bIns="45720" rtlCol="0" anchor="b"/>
+          <a:lstStyle>
+            <a:lvl1pPr algn="l">
+              <a:defRPr sz="1200"/>
+            </a:lvl1pPr>
+          </a:lstStyle>
+          <a:p>
+            <a:endParaRPr kumimoji="1" lang="zh-CN" altLang="en-US"/>
+          </a:p>
+        </p:txBody>
+      </p:sp>
+      <p:sp>
+        <p:nvSpPr>
+          <p:cNvPr id="7" name="灯片编号占位符 6"/>
+          <p:cNvSpPr>
+            <a:spLocks noGrp="1"/>
+          </p:cNvSpPr>
+          <p:nvPr>
+            <p:ph type="sldNum" sz="quarter" idx="5"/>
+          </p:nvPr>
+        </p:nvSpPr>
+        <p:spPr>
+          <a:xfrm>
+            <a:off x="3884613" y="8685213"/>
+            <a:ext cx="2971800" cy="458787"/>
+          </a:xfrm>
+          <a:prstGeom prst="rect">
+            <a:avLst/>
+          </a:prstGeom>
+        </p:spPr>
+        <p:txBody>
+          <a:bodyPr vert="horz" lIns="91440" tIns="45720" rIns="91440" bIns="45720" rtlCol="0" anchor="b"/>
+          <a:lstStyle>
+            <a:lvl1pPr algn="r">
+              <a:defRPr sz="1200"/>
+            </a:lvl1pPr>
+          </a:lstStyle>
+          <a:p>
+            <a:fld id="{00E0FE3E-7FA2-1B45-A31F-C47AE46CA90E}" type="slidenum">
+              <a:rPr kumimoji="1" lang="zh-CN" altLang="en-US" smtClean="0"/>
+              <a:t>‹#›</a:t>
+            </a:fld>
+            <a:endParaRPr kumimoji="1" lang="zh-CN" altLang="en-US"/>
+          </a:p>
+        </p:txBody>
+      </p:sp>
+    </p:spTree>
+    <p:extLst>
+      <p:ext uri="{BB962C8B-B14F-4D97-AF65-F5344CB8AC3E}">
+        <p14:creationId xmlns:p14="http://schemas.microsoft.com/office/powerpoint/2010/main" val="2703677856"/>
+      </p:ext>
+    </p:extLst>
+  </p:cSld>
+  <p:clrMap bg1="lt1" tx1="dk1" bg2="lt2" tx2="dk2" accent1="accent1" accent2="accent2" accent3="accent3" accent4="accent4" accent5="accent5" accent6="accent6" hlink="hlink" folHlink="folHlink"/>
+  <p:notesStyle>
+    <a:lvl1pPr marL="0" algn="l" defTabSz="914400" rtl="0" eaLnBrk="1" latinLnBrk="0" hangingPunct="1">
+      <a:defRPr sz="1200" kern="1200">
+        <a:solidFill>
+          <a:schemeClr val="tx1"/>
+        </a:solidFill>
+        <a:latin typeface="+mn-lt"/>
+        <a:ea typeface="+mn-ea"/>
+        <a:cs typeface="+mn-cs"/>
+      </a:defRPr>
+    </a:lvl1pPr>
+    <a:lvl2pPr marL="457200" algn="l" defTabSz="914400" rtl="0" eaLnBrk="1" latinLnBrk="0" hangingPunct="1">
+      <a:defRPr sz="1200" kern="1200">
+        <a:solidFill>
+          <a:schemeClr val="tx1"/>
+        </a:solidFill>
+        <a:latin typeface="+mn-lt"/>
+        <a:ea typeface="+mn-ea"/>
+        <a:cs typeface="+mn-cs"/>
+      </a:defRPr>
+    </a:lvl2pPr>
+    <a:lvl3pPr marL="914400" algn="l" defTabSz="914400" rtl="0" eaLnBrk="1" latinLnBrk="0" hangingPunct="1">
+      <a:defRPr sz="1200" kern="1200">
+        <a:solidFill>
+          <a:schemeClr val="tx1"/>
+        </a:solidFill>
+        <a:latin typeface="+mn-lt"/>
+        <a:ea typeface="+mn-ea"/>
+        <a:cs typeface="+mn-cs"/>
+      </a:defRPr>
+    </a:lvl3pPr>
+    <a:lvl4pPr marL="1371600" algn="l" defTabSz="914400" rtl="0" eaLnBrk="1" latinLnBrk="0" hangingPunct="1">
+      <a:defRPr sz="1200" kern="1200">
+        <a:solidFill>
+          <a:schemeClr val="tx1"/>
+        </a:solidFill>
+        <a:latin typeface="+mn-lt"/>
+        <a:ea typeface="+mn-ea"/>
+        <a:cs typeface="+mn-cs"/>
+      </a:defRPr>
+    </a:lvl4pPr>
+    <a:lvl5pPr marL="1828800" algn="l" defTabSz="914400" rtl="0" eaLnBrk="1" latinLnBrk="0" hangingPunct="1">
+      <a:defRPr sz="1200" kern="1200">
+        <a:solidFill>
+          <a:schemeClr val="tx1"/>
+        </a:solidFill>
+        <a:latin typeface="+mn-lt"/>
+        <a:ea typeface="+mn-ea"/>
+        <a:cs typeface="+mn-cs"/>
+      </a:defRPr>
+    </a:lvl5pPr>
+    <a:lvl6pPr marL="2286000" algn="l" defTabSz="914400" rtl="0" eaLnBrk="1" latinLnBrk="0" hangingPunct="1">
+      <a:defRPr sz="1200" kern="1200">
+        <a:solidFill>
+          <a:schemeClr val="tx1"/>
+        </a:solidFill>
+        <a:latin typeface="+mn-lt"/>
+        <a:ea typeface="+mn-ea"/>
+        <a:cs typeface="+mn-cs"/>
+      </a:defRPr>
+    </a:lvl6pPr>
+    <a:lvl7pPr marL="2743200" algn="l" defTabSz="914400" rtl="0" eaLnBrk="1" latinLnBrk="0" hangingPunct="1">
+      <a:defRPr sz="1200" kern="1200">
+        <a:solidFill>
+          <a:schemeClr val="tx1"/>
+        </a:solidFill>
+        <a:latin typeface="+mn-lt"/>
+        <a:ea typeface="+mn-ea"/>
+        <a:cs typeface="+mn-cs"/>
+      </a:defRPr>
+    </a:lvl7pPr>
+    <a:lvl8pPr marL="3200400" algn="l" defTabSz="914400" rtl="0" eaLnBrk="1" latinLnBrk="0" hangingPunct="1">
+      <a:defRPr sz="1200" kern="1200">
+        <a:solidFill>
+          <a:schemeClr val="tx1"/>
+        </a:solidFill>
+        <a:latin typeface="+mn-lt"/>
+        <a:ea typeface="+mn-ea"/>
+        <a:cs typeface="+mn-cs"/>
+      </a:defRPr>
+    </a:lvl8pPr>
+    <a:lvl9pPr marL="3657600" algn="l" defTabSz="914400" rtl="0" eaLnBrk="1" latinLnBrk="0" hangingPunct="1">
+      <a:defRPr sz="1200" kern="1200">
+        <a:solidFill>
+          <a:schemeClr val="tx1"/>
+        </a:solidFill>
+        <a:latin typeface="+mn-lt"/>
+        <a:ea typeface="+mn-ea"/>
+        <a:cs typeface="+mn-cs"/>
+      </a:defRPr>
+    </a:lvl9pPr>
+  </p:notesStyle>
+</p:notesMaster>
+</file>
+
+<file path=ppt/notesSlides/notesSlide1.xml><?xml version="1.0" encoding="utf-8"?>
+<p:notes xmlns:a="http://schemas.openxmlformats.org/drawingml/2006/main" xmlns:r="http://schemas.openxmlformats.org/officeDocument/2006/relationships" xmlns:p="http://schemas.openxmlformats.org/presentationml/2006/main">
+  <p:cSld>
+    <p:spTree>
+      <p:nvGrpSpPr>
+        <p:cNvPr id="1" name=""/>
+        <p:cNvGrpSpPr/>
+        <p:nvPr/>
+      </p:nvGrpSpPr>
+      <p:grpSpPr>
+        <a:xfrm>
+          <a:off x="0" y="0"/>
+          <a:ext cx="0" cy="0"/>
+          <a:chOff x="0" y="0"/>
+          <a:chExt cx="0" cy="0"/>
+        </a:xfrm>
+      </p:grpSpPr>
+      <p:sp>
+        <p:nvSpPr>
+          <p:cNvPr id="2" name="幻灯片图像占位符 1"/>
+          <p:cNvSpPr>
+            <a:spLocks noGrp="1" noRot="1" noChangeAspect="1"/>
+          </p:cNvSpPr>
+          <p:nvPr>
+            <p:ph type="sldImg"/>
+          </p:nvPr>
+        </p:nvSpPr>
+        <p:spPr/>
+      </p:sp>
+      <p:sp>
+        <p:nvSpPr>
+          <p:cNvPr id="3" name="备注占位符 2"/>
+          <p:cNvSpPr>
+            <a:spLocks noGrp="1"/>
+          </p:cNvSpPr>
+          <p:nvPr>
+            <p:ph type="body" idx="1"/>
+          </p:nvPr>
+        </p:nvSpPr>
+        <p:spPr/>
+        <p:txBody>
+          <a:bodyPr/>
+          <a:lstStyle/>
+          <a:p>
+            <a:pPr marL="0" marR="0" lvl="0" indent="0" algn="l" defTabSz="914400" rtl="0" eaLnBrk="1" fontAlgn="auto" latinLnBrk="0" hangingPunct="1">
+              <a:lnSpc>
+                <a:spcPct val="100000"/>
+              </a:lnSpc>
+              <a:spcBef>
+                <a:spcPts val="0"/>
+              </a:spcBef>
+              <a:spcAft>
+                <a:spcPts val="0"/>
+              </a:spcAft>
+              <a:buClrTx/>
+              <a:buSzTx/>
+              <a:buFontTx/>
+              <a:buNone/>
+              <a:tabLst/>
+              <a:defRPr/>
+            </a:pPr>
+            <a:r>
+              <a:rPr lang="en-AU" altLang="zh-CN" sz="1800" b="0" i="0" dirty="0">
+                <a:effectLst/>
+                <a:latin typeface="Söhne"/>
+              </a:rPr>
+              <a:t>This bar graph displays the age distribution of deaths by different causes, with the highest number of homicides occurring in the age group between 18-28 years, while the majority of individuals who died by suicide were between the ages of 48-61 years.</a:t>
+            </a:r>
+            <a:endParaRPr kumimoji="1" lang="zh-CN" altLang="en-US" sz="1800" dirty="0"/>
+          </a:p>
+          <a:p>
+            <a:endParaRPr kumimoji="1" lang="zh-CN" altLang="en-US" sz="1800" dirty="0"/>
+          </a:p>
+        </p:txBody>
+      </p:sp>
+      <p:sp>
+        <p:nvSpPr>
+          <p:cNvPr id="4" name="灯片编号占位符 3"/>
+          <p:cNvSpPr>
+            <a:spLocks noGrp="1"/>
+          </p:cNvSpPr>
+          <p:nvPr>
+            <p:ph type="sldNum" sz="quarter" idx="5"/>
+          </p:nvPr>
+        </p:nvSpPr>
+        <p:spPr/>
+        <p:txBody>
+          <a:bodyPr/>
+          <a:lstStyle/>
+          <a:p>
+            <a:fld id="{00E0FE3E-7FA2-1B45-A31F-C47AE46CA90E}" type="slidenum">
+              <a:rPr kumimoji="1" lang="zh-CN" altLang="en-US" smtClean="0"/>
+              <a:t>2</a:t>
+            </a:fld>
+            <a:endParaRPr kumimoji="1" lang="zh-CN" altLang="en-US"/>
+          </a:p>
+        </p:txBody>
+      </p:sp>
+    </p:spTree>
+    <p:extLst>
+      <p:ext uri="{BB962C8B-B14F-4D97-AF65-F5344CB8AC3E}">
+        <p14:creationId xmlns:p14="http://schemas.microsoft.com/office/powerpoint/2010/main" val="3643677136"/>
+      </p:ext>
+    </p:extLst>
+  </p:cSld>
+  <p:clrMapOvr>
+    <a:masterClrMapping/>
+  </p:clrMapOvr>
+</p:notes>
+</file>
+
+<file path=ppt/notesSlides/notesSlide2.xml><?xml version="1.0" encoding="utf-8"?>
+<p:notes xmlns:a="http://schemas.openxmlformats.org/drawingml/2006/main" xmlns:r="http://schemas.openxmlformats.org/officeDocument/2006/relationships" xmlns:p="http://schemas.openxmlformats.org/presentationml/2006/main">
+  <p:cSld>
+    <p:spTree>
+      <p:nvGrpSpPr>
+        <p:cNvPr id="1" name=""/>
+        <p:cNvGrpSpPr/>
+        <p:nvPr/>
+      </p:nvGrpSpPr>
+      <p:grpSpPr>
+        <a:xfrm>
+          <a:off x="0" y="0"/>
+          <a:ext cx="0" cy="0"/>
+          <a:chOff x="0" y="0"/>
+          <a:chExt cx="0" cy="0"/>
+        </a:xfrm>
+      </p:grpSpPr>
+      <p:sp>
+        <p:nvSpPr>
+          <p:cNvPr id="2" name="幻灯片图像占位符 1"/>
+          <p:cNvSpPr>
+            <a:spLocks noGrp="1" noRot="1" noChangeAspect="1"/>
+          </p:cNvSpPr>
+          <p:nvPr>
+            <p:ph type="sldImg"/>
+          </p:nvPr>
+        </p:nvSpPr>
+        <p:spPr/>
+      </p:sp>
+      <p:sp>
+        <p:nvSpPr>
+          <p:cNvPr id="3" name="备注占位符 2"/>
+          <p:cNvSpPr>
+            <a:spLocks noGrp="1"/>
+          </p:cNvSpPr>
+          <p:nvPr>
+            <p:ph type="body" idx="1"/>
+          </p:nvPr>
+        </p:nvSpPr>
+        <p:spPr/>
+        <p:txBody>
+          <a:bodyPr/>
+          <a:lstStyle/>
+          <a:p>
+            <a:pPr marL="0" marR="0" lvl="0" indent="0" algn="l" defTabSz="914400" rtl="0" eaLnBrk="1" fontAlgn="auto" latinLnBrk="0" hangingPunct="1">
+              <a:lnSpc>
+                <a:spcPct val="100000"/>
+              </a:lnSpc>
+              <a:spcBef>
+                <a:spcPts val="0"/>
+              </a:spcBef>
+              <a:spcAft>
+                <a:spcPts val="0"/>
+              </a:spcAft>
+              <a:buClrTx/>
+              <a:buSzTx/>
+              <a:buFontTx/>
+              <a:buNone/>
+              <a:tabLst/>
+              <a:defRPr/>
+            </a:pPr>
+            <a:r>
+              <a:rPr lang="en-AU" altLang="zh-CN" sz="1200" b="0" i="0" dirty="0">
+                <a:effectLst/>
+                <a:latin typeface="Söhne"/>
+              </a:rPr>
+              <a:t>Through these three different bar graphs from different years, we can clearly observe that the highest number of deaths occurred in the educational level 2 category, followed by a significantly higher number of deaths in males compared to females.</a:t>
+            </a:r>
+            <a:endParaRPr kumimoji="1" lang="zh-CN" altLang="en-US" sz="1200" dirty="0"/>
+          </a:p>
+          <a:p>
+            <a:endParaRPr kumimoji="1" lang="zh-CN" altLang="en-US" dirty="0"/>
+          </a:p>
+        </p:txBody>
+      </p:sp>
+      <p:sp>
+        <p:nvSpPr>
+          <p:cNvPr id="4" name="灯片编号占位符 3"/>
+          <p:cNvSpPr>
+            <a:spLocks noGrp="1"/>
+          </p:cNvSpPr>
+          <p:nvPr>
+            <p:ph type="sldNum" sz="quarter" idx="5"/>
+          </p:nvPr>
+        </p:nvSpPr>
+        <p:spPr/>
+        <p:txBody>
+          <a:bodyPr/>
+          <a:lstStyle/>
+          <a:p>
+            <a:fld id="{00E0FE3E-7FA2-1B45-A31F-C47AE46CA90E}" type="slidenum">
+              <a:rPr kumimoji="1" lang="zh-CN" altLang="en-US" smtClean="0"/>
+              <a:t>3</a:t>
+            </a:fld>
+            <a:endParaRPr kumimoji="1" lang="zh-CN" altLang="en-US"/>
+          </a:p>
+        </p:txBody>
+      </p:sp>
+    </p:spTree>
+    <p:extLst>
+      <p:ext uri="{BB962C8B-B14F-4D97-AF65-F5344CB8AC3E}">
+        <p14:creationId xmlns:p14="http://schemas.microsoft.com/office/powerpoint/2010/main" val="2916969088"/>
+      </p:ext>
+    </p:extLst>
+  </p:cSld>
+  <p:clrMapOvr>
+    <a:masterClrMapping/>
+  </p:clrMapOvr>
+</p:notes>
+</file>
+
+<file path=ppt/notesSlides/notesSlide3.xml><?xml version="1.0" encoding="utf-8"?>
+<p:notes xmlns:a="http://schemas.openxmlformats.org/drawingml/2006/main" xmlns:r="http://schemas.openxmlformats.org/officeDocument/2006/relationships" xmlns:p="http://schemas.openxmlformats.org/presentationml/2006/main">
+  <p:cSld>
+    <p:spTree>
+      <p:nvGrpSpPr>
+        <p:cNvPr id="1" name=""/>
+        <p:cNvGrpSpPr/>
+        <p:nvPr/>
+      </p:nvGrpSpPr>
+      <p:grpSpPr>
+        <a:xfrm>
+          <a:off x="0" y="0"/>
+          <a:ext cx="0" cy="0"/>
+          <a:chOff x="0" y="0"/>
+          <a:chExt cx="0" cy="0"/>
+        </a:xfrm>
+      </p:grpSpPr>
+      <p:sp>
+        <p:nvSpPr>
+          <p:cNvPr id="2" name="幻灯片图像占位符 1"/>
+          <p:cNvSpPr>
+            <a:spLocks noGrp="1" noRot="1" noChangeAspect="1"/>
+          </p:cNvSpPr>
+          <p:nvPr>
+            <p:ph type="sldImg"/>
+          </p:nvPr>
+        </p:nvSpPr>
+        <p:spPr/>
+      </p:sp>
+      <p:sp>
+        <p:nvSpPr>
+          <p:cNvPr id="3" name="备注占位符 2"/>
+          <p:cNvSpPr>
+            <a:spLocks noGrp="1"/>
+          </p:cNvSpPr>
+          <p:nvPr>
+            <p:ph type="body" idx="1"/>
+          </p:nvPr>
+        </p:nvSpPr>
+        <p:spPr/>
+        <p:txBody>
+          <a:bodyPr/>
+          <a:lstStyle/>
+          <a:p>
+            <a:pPr marL="0" marR="0" lvl="0" indent="0" algn="l" defTabSz="914400" rtl="0" eaLnBrk="1" fontAlgn="auto" latinLnBrk="0" hangingPunct="1">
+              <a:lnSpc>
+                <a:spcPct val="100000"/>
+              </a:lnSpc>
+              <a:spcBef>
+                <a:spcPts val="0"/>
+              </a:spcBef>
+              <a:spcAft>
+                <a:spcPts val="0"/>
+              </a:spcAft>
+              <a:buClrTx/>
+              <a:buSzTx/>
+              <a:buFontTx/>
+              <a:buNone/>
+              <a:tabLst/>
+              <a:defRPr/>
+            </a:pPr>
+            <a:r>
+              <a:rPr kumimoji="1" lang="en-AU" altLang="zh-CN" dirty="0"/>
+              <a:t>By our analysis, the number of whites who committed suicide during this three-year period far exceeded the number of deaths of other race of people</a:t>
+            </a:r>
+            <a:endParaRPr kumimoji="1" lang="zh-CN" altLang="en-US" dirty="0"/>
+          </a:p>
+          <a:p>
+            <a:endParaRPr kumimoji="1" lang="zh-CN" altLang="en-US" dirty="0"/>
+          </a:p>
+        </p:txBody>
+      </p:sp>
+      <p:sp>
+        <p:nvSpPr>
+          <p:cNvPr id="4" name="灯片编号占位符 3"/>
+          <p:cNvSpPr>
+            <a:spLocks noGrp="1"/>
+          </p:cNvSpPr>
+          <p:nvPr>
+            <p:ph type="sldNum" sz="quarter" idx="5"/>
+          </p:nvPr>
+        </p:nvSpPr>
+        <p:spPr/>
+        <p:txBody>
+          <a:bodyPr/>
+          <a:lstStyle/>
+          <a:p>
+            <a:fld id="{00E0FE3E-7FA2-1B45-A31F-C47AE46CA90E}" type="slidenum">
+              <a:rPr kumimoji="1" lang="zh-CN" altLang="en-US" smtClean="0"/>
+              <a:t>4</a:t>
+            </a:fld>
+            <a:endParaRPr kumimoji="1" lang="zh-CN" altLang="en-US"/>
+          </a:p>
+        </p:txBody>
+      </p:sp>
+    </p:spTree>
+    <p:extLst>
+      <p:ext uri="{BB962C8B-B14F-4D97-AF65-F5344CB8AC3E}">
+        <p14:creationId xmlns:p14="http://schemas.microsoft.com/office/powerpoint/2010/main" val="2958856729"/>
+      </p:ext>
+    </p:extLst>
+  </p:cSld>
+  <p:clrMapOvr>
+    <a:masterClrMapping/>
+  </p:clrMapOvr>
+</p:notes>
+</file>
+
 <file path=ppt/slideLayouts/slideLayout1.xml><?xml version="1.0" encoding="utf-8"?>
 <p:sldLayout xmlns:a="http://schemas.openxmlformats.org/drawingml/2006/main" xmlns:r="http://schemas.openxmlformats.org/officeDocument/2006/relationships" xmlns:p="http://schemas.openxmlformats.org/presentationml/2006/main" type="title" preserve="1">
   <p:cSld name="标题幻灯片">
@@ -262,7 +944,7 @@
           <a:p>
             <a:fld id="{31841881-5161-D141-BEB3-35028E2CF562}" type="datetimeFigureOut">
               <a:rPr kumimoji="1" lang="zh-CN" altLang="en-US" smtClean="0"/>
-              <a:t>2023/5/4</a:t>
+              <a:t>2023/5/5</a:t>
             </a:fld>
             <a:endParaRPr kumimoji="1" lang="zh-CN" altLang="en-US"/>
           </a:p>
@@ -460,7 +1142,7 @@
           <a:p>
             <a:fld id="{31841881-5161-D141-BEB3-35028E2CF562}" type="datetimeFigureOut">
               <a:rPr kumimoji="1" lang="zh-CN" altLang="en-US" smtClean="0"/>
-              <a:t>2023/5/4</a:t>
+              <a:t>2023/5/5</a:t>
             </a:fld>
             <a:endParaRPr kumimoji="1" lang="zh-CN" altLang="en-US"/>
           </a:p>
@@ -668,7 +1350,7 @@
           <a:p>
             <a:fld id="{31841881-5161-D141-BEB3-35028E2CF562}" type="datetimeFigureOut">
               <a:rPr kumimoji="1" lang="zh-CN" altLang="en-US" smtClean="0"/>
-              <a:t>2023/5/4</a:t>
+              <a:t>2023/5/5</a:t>
             </a:fld>
             <a:endParaRPr kumimoji="1" lang="zh-CN" altLang="en-US"/>
           </a:p>
@@ -866,7 +1548,7 @@
           <a:p>
             <a:fld id="{31841881-5161-D141-BEB3-35028E2CF562}" type="datetimeFigureOut">
               <a:rPr kumimoji="1" lang="zh-CN" altLang="en-US" smtClean="0"/>
-              <a:t>2023/5/4</a:t>
+              <a:t>2023/5/5</a:t>
             </a:fld>
             <a:endParaRPr kumimoji="1" lang="zh-CN" altLang="en-US"/>
           </a:p>
@@ -1141,7 +1823,7 @@
           <a:p>
             <a:fld id="{31841881-5161-D141-BEB3-35028E2CF562}" type="datetimeFigureOut">
               <a:rPr kumimoji="1" lang="zh-CN" altLang="en-US" smtClean="0"/>
-              <a:t>2023/5/4</a:t>
+              <a:t>2023/5/5</a:t>
             </a:fld>
             <a:endParaRPr kumimoji="1" lang="zh-CN" altLang="en-US"/>
           </a:p>
@@ -1406,7 +2088,7 @@
           <a:p>
             <a:fld id="{31841881-5161-D141-BEB3-35028E2CF562}" type="datetimeFigureOut">
               <a:rPr kumimoji="1" lang="zh-CN" altLang="en-US" smtClean="0"/>
-              <a:t>2023/5/4</a:t>
+              <a:t>2023/5/5</a:t>
             </a:fld>
             <a:endParaRPr kumimoji="1" lang="zh-CN" altLang="en-US"/>
           </a:p>
@@ -1818,7 +2500,7 @@
           <a:p>
             <a:fld id="{31841881-5161-D141-BEB3-35028E2CF562}" type="datetimeFigureOut">
               <a:rPr kumimoji="1" lang="zh-CN" altLang="en-US" smtClean="0"/>
-              <a:t>2023/5/4</a:t>
+              <a:t>2023/5/5</a:t>
             </a:fld>
             <a:endParaRPr kumimoji="1" lang="zh-CN" altLang="en-US"/>
           </a:p>
@@ -1959,7 +2641,7 @@
           <a:p>
             <a:fld id="{31841881-5161-D141-BEB3-35028E2CF562}" type="datetimeFigureOut">
               <a:rPr kumimoji="1" lang="zh-CN" altLang="en-US" smtClean="0"/>
-              <a:t>2023/5/4</a:t>
+              <a:t>2023/5/5</a:t>
             </a:fld>
             <a:endParaRPr kumimoji="1" lang="zh-CN" altLang="en-US"/>
           </a:p>
@@ -2072,7 +2754,7 @@
           <a:p>
             <a:fld id="{31841881-5161-D141-BEB3-35028E2CF562}" type="datetimeFigureOut">
               <a:rPr kumimoji="1" lang="zh-CN" altLang="en-US" smtClean="0"/>
-              <a:t>2023/5/4</a:t>
+              <a:t>2023/5/5</a:t>
             </a:fld>
             <a:endParaRPr kumimoji="1" lang="zh-CN" altLang="en-US"/>
           </a:p>
@@ -2383,7 +3065,7 @@
           <a:p>
             <a:fld id="{31841881-5161-D141-BEB3-35028E2CF562}" type="datetimeFigureOut">
               <a:rPr kumimoji="1" lang="zh-CN" altLang="en-US" smtClean="0"/>
-              <a:t>2023/5/4</a:t>
+              <a:t>2023/5/5</a:t>
             </a:fld>
             <a:endParaRPr kumimoji="1" lang="zh-CN" altLang="en-US"/>
           </a:p>
@@ -2671,7 +3353,7 @@
           <a:p>
             <a:fld id="{31841881-5161-D141-BEB3-35028E2CF562}" type="datetimeFigureOut">
               <a:rPr kumimoji="1" lang="zh-CN" altLang="en-US" smtClean="0"/>
-              <a:t>2023/5/4</a:t>
+              <a:t>2023/5/5</a:t>
             </a:fld>
             <a:endParaRPr kumimoji="1" lang="zh-CN" altLang="en-US"/>
           </a:p>
@@ -2912,7 +3594,7 @@
           <a:p>
             <a:fld id="{31841881-5161-D141-BEB3-35028E2CF562}" type="datetimeFigureOut">
               <a:rPr kumimoji="1" lang="zh-CN" altLang="en-US" smtClean="0"/>
-              <a:t>2023/5/4</a:t>
+              <a:t>2023/5/5</a:t>
             </a:fld>
             <a:endParaRPr kumimoji="1" lang="zh-CN" altLang="en-US"/>
           </a:p>
@@ -3601,45 +4283,6 @@
           </a:p>
         </p:txBody>
       </p:sp>
-      <p:sp>
-        <p:nvSpPr>
-          <p:cNvPr id="34" name="文本框 33">
-            <a:extLst>
-              <a:ext uri="{FF2B5EF4-FFF2-40B4-BE49-F238E27FC236}">
-                <a16:creationId xmlns:a16="http://schemas.microsoft.com/office/drawing/2014/main" id="{B6800834-DB1B-1707-597B-F45D569DCCD3}"/>
-              </a:ext>
-            </a:extLst>
-          </p:cNvPr>
-          <p:cNvSpPr txBox="1"/>
-          <p:nvPr/>
-        </p:nvSpPr>
-        <p:spPr>
-          <a:xfrm>
-            <a:off x="2650435" y="5393635"/>
-            <a:ext cx="8653669" cy="923330"/>
-          </a:xfrm>
-          <a:prstGeom prst="rect">
-            <a:avLst/>
-          </a:prstGeom>
-          <a:noFill/>
-        </p:spPr>
-        <p:txBody>
-          <a:bodyPr wrap="square" rtlCol="0">
-            <a:spAutoFit/>
-          </a:bodyPr>
-          <a:lstStyle/>
-          <a:p>
-            <a:r>
-              <a:rPr lang="en-AU" altLang="zh-CN" b="0" i="0" dirty="0">
-                <a:effectLst/>
-                <a:latin typeface="Söhne"/>
-              </a:rPr>
-              <a:t>This bar graph displays the age distribution of deaths by different causes, with the highest number of homicides occurring in the age group between 18-28 years, while the majority of individuals who died by suicide were between the ages of 48-61 years.</a:t>
-            </a:r>
-            <a:endParaRPr kumimoji="1" lang="zh-CN" altLang="en-US" dirty="0"/>
-          </a:p>
-        </p:txBody>
-      </p:sp>
       <p:pic>
         <p:nvPicPr>
           <p:cNvPr id="38" name="内容占位符 37" descr="图表, 直方图&#10;&#10;描述已自动生成">
@@ -3657,15 +4300,15 @@
           </p:nvPr>
         </p:nvPicPr>
         <p:blipFill>
-          <a:blip r:embed="rId2"/>
+          <a:blip r:embed="rId3"/>
           <a:stretch>
             <a:fillRect/>
           </a:stretch>
         </p:blipFill>
         <p:spPr>
           <a:xfrm>
-            <a:off x="3031686" y="342546"/>
-            <a:ext cx="8662510" cy="4879974"/>
+            <a:off x="2052079" y="402650"/>
+            <a:ext cx="10139922" cy="5712265"/>
           </a:xfrm>
         </p:spPr>
       </p:pic>
@@ -3915,57 +4558,18 @@
           </p:nvPr>
         </p:nvPicPr>
         <p:blipFill>
-          <a:blip r:embed="rId2"/>
+          <a:blip r:embed="rId3"/>
           <a:stretch>
             <a:fillRect/>
           </a:stretch>
         </p:blipFill>
         <p:spPr>
           <a:xfrm>
-            <a:off x="2417525" y="62480"/>
-            <a:ext cx="9097142" cy="5604542"/>
+            <a:off x="2301410" y="0"/>
+            <a:ext cx="9546076" cy="6276536"/>
           </a:xfrm>
         </p:spPr>
       </p:pic>
-      <p:sp>
-        <p:nvSpPr>
-          <p:cNvPr id="15" name="文本框 14">
-            <a:extLst>
-              <a:ext uri="{FF2B5EF4-FFF2-40B4-BE49-F238E27FC236}">
-                <a16:creationId xmlns:a16="http://schemas.microsoft.com/office/drawing/2014/main" id="{1B3473E4-7469-6E31-14FD-CE4541098639}"/>
-              </a:ext>
-            </a:extLst>
-          </p:cNvPr>
-          <p:cNvSpPr txBox="1"/>
-          <p:nvPr/>
-        </p:nvSpPr>
-        <p:spPr>
-          <a:xfrm>
-            <a:off x="1627124" y="5667022"/>
-            <a:ext cx="9887543" cy="1015663"/>
-          </a:xfrm>
-          <a:prstGeom prst="rect">
-            <a:avLst/>
-          </a:prstGeom>
-          <a:noFill/>
-        </p:spPr>
-        <p:txBody>
-          <a:bodyPr wrap="square" rtlCol="0">
-            <a:spAutoFit/>
-          </a:bodyPr>
-          <a:lstStyle/>
-          <a:p>
-            <a:r>
-              <a:rPr lang="en-AU" altLang="zh-CN" sz="2000" b="0" i="0" dirty="0">
-                <a:effectLst/>
-                <a:latin typeface="Söhne"/>
-              </a:rPr>
-              <a:t>Through these three different bar graphs from different years, we can clearly observe that the highest number of deaths occurred in the educational level 2 category, followed by a significantly higher number of deaths in males compared to females.</a:t>
-            </a:r>
-            <a:endParaRPr kumimoji="1" lang="zh-CN" altLang="en-US" sz="2000" dirty="0"/>
-          </a:p>
-        </p:txBody>
-      </p:sp>
       <p:sp>
         <p:nvSpPr>
           <p:cNvPr id="2" name="文本框 1">
@@ -4083,7 +4687,7 @@
           </p:nvPr>
         </p:nvPicPr>
         <p:blipFill>
-          <a:blip r:embed="rId2"/>
+          <a:blip r:embed="rId3"/>
           <a:stretch>
             <a:fillRect/>
           </a:stretch>
@@ -4091,46 +4695,10 @@
         <p:spPr>
           <a:xfrm>
             <a:off x="0" y="1"/>
-            <a:ext cx="10389476" cy="5962688"/>
+            <a:ext cx="10389476" cy="6332020"/>
           </a:xfrm>
         </p:spPr>
       </p:pic>
-      <p:sp>
-        <p:nvSpPr>
-          <p:cNvPr id="12" name="文本框 11">
-            <a:extLst>
-              <a:ext uri="{FF2B5EF4-FFF2-40B4-BE49-F238E27FC236}">
-                <a16:creationId xmlns:a16="http://schemas.microsoft.com/office/drawing/2014/main" id="{2ECB4F2E-5CF3-83E5-BC55-FA83A89C6033}"/>
-              </a:ext>
-            </a:extLst>
-          </p:cNvPr>
-          <p:cNvSpPr txBox="1"/>
-          <p:nvPr/>
-        </p:nvSpPr>
-        <p:spPr>
-          <a:xfrm>
-            <a:off x="733778" y="5962689"/>
-            <a:ext cx="8376356" cy="646331"/>
-          </a:xfrm>
-          <a:prstGeom prst="rect">
-            <a:avLst/>
-          </a:prstGeom>
-          <a:noFill/>
-        </p:spPr>
-        <p:txBody>
-          <a:bodyPr wrap="square" rtlCol="0">
-            <a:spAutoFit/>
-          </a:bodyPr>
-          <a:lstStyle/>
-          <a:p>
-            <a:r>
-              <a:rPr kumimoji="1" lang="en-AU" altLang="zh-CN" dirty="0"/>
-              <a:t>By our analysis, the number of whites who committed suicide during this three-year period far exceeded the number of deaths of other race of people</a:t>
-            </a:r>
-            <a:endParaRPr kumimoji="1" lang="zh-CN" altLang="en-US" dirty="0"/>
-          </a:p>
-        </p:txBody>
-      </p:sp>
       <p:sp>
         <p:nvSpPr>
           <p:cNvPr id="13" name="文本框 12">
@@ -4473,4 +5041,299 @@
     </a:ext>
   </a:extLst>
 </a:theme>
+</file>
+
+<file path=ppt/theme/theme2.xml><?xml version="1.0" encoding="utf-8"?>
+<a:theme xmlns:a="http://schemas.openxmlformats.org/drawingml/2006/main" name="Office 主题​​">
+  <a:themeElements>
+    <a:clrScheme name="Office">
+      <a:dk1>
+        <a:sysClr val="windowText" lastClr="000000"/>
+      </a:dk1>
+      <a:lt1>
+        <a:sysClr val="window" lastClr="FFFFFF"/>
+      </a:lt1>
+      <a:dk2>
+        <a:srgbClr val="44546A"/>
+      </a:dk2>
+      <a:lt2>
+        <a:srgbClr val="E7E6E6"/>
+      </a:lt2>
+      <a:accent1>
+        <a:srgbClr val="4472C4"/>
+      </a:accent1>
+      <a:accent2>
+        <a:srgbClr val="ED7D31"/>
+      </a:accent2>
+      <a:accent3>
+        <a:srgbClr val="A5A5A5"/>
+      </a:accent3>
+      <a:accent4>
+        <a:srgbClr val="FFC000"/>
+      </a:accent4>
+      <a:accent5>
+        <a:srgbClr val="5B9BD5"/>
+      </a:accent5>
+      <a:accent6>
+        <a:srgbClr val="70AD47"/>
+      </a:accent6>
+      <a:hlink>
+        <a:srgbClr val="0563C1"/>
+      </a:hlink>
+      <a:folHlink>
+        <a:srgbClr val="954F72"/>
+      </a:folHlink>
+    </a:clrScheme>
+    <a:fontScheme name="Office">
+      <a:majorFont>
+        <a:latin typeface="等线 Light" panose="020F0302020204030204"/>
+        <a:ea typeface=""/>
+        <a:cs typeface=""/>
+        <a:font script="Jpan" typeface="游ゴシック Light"/>
+        <a:font script="Hang" typeface="맑은 고딕"/>
+        <a:font script="Hans" typeface="等线 Light"/>
+        <a:font script="Hant" typeface="新細明體"/>
+        <a:font script="Arab" typeface="Times New Roman"/>
+        <a:font script="Hebr" typeface="Times New Roman"/>
+        <a:font script="Thai" typeface="Angsana New"/>
+        <a:font script="Ethi" typeface="Nyala"/>
+        <a:font script="Beng" typeface="Vrinda"/>
+        <a:font script="Gujr" typeface="Shruti"/>
+        <a:font script="Khmr" typeface="MoolBoran"/>
+        <a:font script="Knda" typeface="Tunga"/>
+        <a:font script="Guru" typeface="Raavi"/>
+        <a:font script="Cans" typeface="Euphemia"/>
+        <a:font script="Cher" typeface="Plantagenet Cherokee"/>
+        <a:font script="Yiii" typeface="Microsoft Yi Baiti"/>
+        <a:font script="Tibt" typeface="Microsoft Himalaya"/>
+        <a:font script="Thaa" typeface="MV Boli"/>
+        <a:font script="Deva" typeface="Mangal"/>
+        <a:font script="Telu" typeface="Gautami"/>
+        <a:font script="Taml" typeface="Latha"/>
+        <a:font script="Syrc" typeface="Estrangelo Edessa"/>
+        <a:font script="Orya" typeface="Kalinga"/>
+        <a:font script="Mlym" typeface="Kartika"/>
+        <a:font script="Laoo" typeface="DokChampa"/>
+        <a:font script="Sinh" typeface="Iskoola Pota"/>
+        <a:font script="Mong" typeface="Mongolian Baiti"/>
+        <a:font script="Viet" typeface="Times New Roman"/>
+        <a:font script="Uigh" typeface="Microsoft Uighur"/>
+        <a:font script="Geor" typeface="Sylfaen"/>
+        <a:font script="Armn" typeface="Arial"/>
+        <a:font script="Bugi" typeface="Leelawadee UI"/>
+        <a:font script="Bopo" typeface="Microsoft JhengHei"/>
+        <a:font script="Java" typeface="Javanese Text"/>
+        <a:font script="Lisu" typeface="Segoe UI"/>
+        <a:font script="Mymr" typeface="Myanmar Text"/>
+        <a:font script="Nkoo" typeface="Ebrima"/>
+        <a:font script="Olck" typeface="Nirmala UI"/>
+        <a:font script="Osma" typeface="Ebrima"/>
+        <a:font script="Phag" typeface="Phagspa"/>
+        <a:font script="Syrn" typeface="Estrangelo Edessa"/>
+        <a:font script="Syrj" typeface="Estrangelo Edessa"/>
+        <a:font script="Syre" typeface="Estrangelo Edessa"/>
+        <a:font script="Sora" typeface="Nirmala UI"/>
+        <a:font script="Tale" typeface="Microsoft Tai Le"/>
+        <a:font script="Talu" typeface="Microsoft New Tai Lue"/>
+        <a:font script="Tfng" typeface="Ebrima"/>
+      </a:majorFont>
+      <a:minorFont>
+        <a:latin typeface="等线" panose="020F0502020204030204"/>
+        <a:ea typeface=""/>
+        <a:cs typeface=""/>
+        <a:font script="Jpan" typeface="游ゴシック"/>
+        <a:font script="Hang" typeface="맑은 고딕"/>
+        <a:font script="Hans" typeface="等线"/>
+        <a:font script="Hant" typeface="新細明體"/>
+        <a:font script="Arab" typeface="Arial"/>
+        <a:font script="Hebr" typeface="Arial"/>
+        <a:font script="Thai" typeface="Cordia New"/>
+        <a:font script="Ethi" typeface="Nyala"/>
+        <a:font script="Beng" typeface="Vrinda"/>
+        <a:font script="Gujr" typeface="Shruti"/>
+        <a:font script="Khmr" typeface="DaunPenh"/>
+        <a:font script="Knda" typeface="Tunga"/>
+        <a:font script="Guru" typeface="Raavi"/>
+        <a:font script="Cans" typeface="Euphemia"/>
+        <a:font script="Cher" typeface="Plantagenet Cherokee"/>
+        <a:font script="Yiii" typeface="Microsoft Yi Baiti"/>
+        <a:font script="Tibt" typeface="Microsoft Himalaya"/>
+        <a:font script="Thaa" typeface="MV Boli"/>
+        <a:font script="Deva" typeface="Mangal"/>
+        <a:font script="Telu" typeface="Gautami"/>
+        <a:font script="Taml" typeface="Latha"/>
+        <a:font script="Syrc" typeface="Estrangelo Edessa"/>
+        <a:font script="Orya" typeface="Kalinga"/>
+        <a:font script="Mlym" typeface="Kartika"/>
+        <a:font script="Laoo" typeface="DokChampa"/>
+        <a:font script="Sinh" typeface="Iskoola Pota"/>
+        <a:font script="Mong" typeface="Mongolian Baiti"/>
+        <a:font script="Viet" typeface="Arial"/>
+        <a:font script="Uigh" typeface="Microsoft Uighur"/>
+        <a:font script="Geor" typeface="Sylfaen"/>
+        <a:font script="Armn" typeface="Arial"/>
+        <a:font script="Bugi" typeface="Leelawadee UI"/>
+        <a:font script="Bopo" typeface="Microsoft JhengHei"/>
+        <a:font script="Java" typeface="Javanese Text"/>
+        <a:font script="Lisu" typeface="Segoe UI"/>
+        <a:font script="Mymr" typeface="Myanmar Text"/>
+        <a:font script="Nkoo" typeface="Ebrima"/>
+        <a:font script="Olck" typeface="Nirmala UI"/>
+        <a:font script="Osma" typeface="Ebrima"/>
+        <a:font script="Phag" typeface="Phagspa"/>
+        <a:font script="Syrn" typeface="Estrangelo Edessa"/>
+        <a:font script="Syrj" typeface="Estrangelo Edessa"/>
+        <a:font script="Syre" typeface="Estrangelo Edessa"/>
+        <a:font script="Sora" typeface="Nirmala UI"/>
+        <a:font script="Tale" typeface="Microsoft Tai Le"/>
+        <a:font script="Talu" typeface="Microsoft New Tai Lue"/>
+        <a:font script="Tfng" typeface="Ebrima"/>
+      </a:minorFont>
+    </a:fontScheme>
+    <a:fmtScheme name="Office">
+      <a:fillStyleLst>
+        <a:solidFill>
+          <a:schemeClr val="phClr"/>
+        </a:solidFill>
+        <a:gradFill rotWithShape="1">
+          <a:gsLst>
+            <a:gs pos="0">
+              <a:schemeClr val="phClr">
+                <a:lumMod val="110000"/>
+                <a:satMod val="105000"/>
+                <a:tint val="67000"/>
+              </a:schemeClr>
+            </a:gs>
+            <a:gs pos="50000">
+              <a:schemeClr val="phClr">
+                <a:lumMod val="105000"/>
+                <a:satMod val="103000"/>
+                <a:tint val="73000"/>
+              </a:schemeClr>
+            </a:gs>
+            <a:gs pos="100000">
+              <a:schemeClr val="phClr">
+                <a:lumMod val="105000"/>
+                <a:satMod val="109000"/>
+                <a:tint val="81000"/>
+              </a:schemeClr>
+            </a:gs>
+          </a:gsLst>
+          <a:lin ang="5400000" scaled="0"/>
+        </a:gradFill>
+        <a:gradFill rotWithShape="1">
+          <a:gsLst>
+            <a:gs pos="0">
+              <a:schemeClr val="phClr">
+                <a:satMod val="103000"/>
+                <a:lumMod val="102000"/>
+                <a:tint val="94000"/>
+              </a:schemeClr>
+            </a:gs>
+            <a:gs pos="50000">
+              <a:schemeClr val="phClr">
+                <a:satMod val="110000"/>
+                <a:lumMod val="100000"/>
+                <a:shade val="100000"/>
+              </a:schemeClr>
+            </a:gs>
+            <a:gs pos="100000">
+              <a:schemeClr val="phClr">
+                <a:lumMod val="99000"/>
+                <a:satMod val="120000"/>
+                <a:shade val="78000"/>
+              </a:schemeClr>
+            </a:gs>
+          </a:gsLst>
+          <a:lin ang="5400000" scaled="0"/>
+        </a:gradFill>
+      </a:fillStyleLst>
+      <a:lnStyleLst>
+        <a:ln w="6350" cap="flat" cmpd="sng" algn="ctr">
+          <a:solidFill>
+            <a:schemeClr val="phClr"/>
+          </a:solidFill>
+          <a:prstDash val="solid"/>
+          <a:miter lim="800000"/>
+        </a:ln>
+        <a:ln w="12700" cap="flat" cmpd="sng" algn="ctr">
+          <a:solidFill>
+            <a:schemeClr val="phClr"/>
+          </a:solidFill>
+          <a:prstDash val="solid"/>
+          <a:miter lim="800000"/>
+        </a:ln>
+        <a:ln w="19050" cap="flat" cmpd="sng" algn="ctr">
+          <a:solidFill>
+            <a:schemeClr val="phClr"/>
+          </a:solidFill>
+          <a:prstDash val="solid"/>
+          <a:miter lim="800000"/>
+        </a:ln>
+      </a:lnStyleLst>
+      <a:effectStyleLst>
+        <a:effectStyle>
+          <a:effectLst/>
+        </a:effectStyle>
+        <a:effectStyle>
+          <a:effectLst/>
+        </a:effectStyle>
+        <a:effectStyle>
+          <a:effectLst>
+            <a:outerShdw blurRad="57150" dist="19050" dir="5400000" algn="ctr" rotWithShape="0">
+              <a:srgbClr val="000000">
+                <a:alpha val="63000"/>
+              </a:srgbClr>
+            </a:outerShdw>
+          </a:effectLst>
+        </a:effectStyle>
+      </a:effectStyleLst>
+      <a:bgFillStyleLst>
+        <a:solidFill>
+          <a:schemeClr val="phClr"/>
+        </a:solidFill>
+        <a:solidFill>
+          <a:schemeClr val="phClr">
+            <a:tint val="95000"/>
+            <a:satMod val="170000"/>
+          </a:schemeClr>
+        </a:solidFill>
+        <a:gradFill rotWithShape="1">
+          <a:gsLst>
+            <a:gs pos="0">
+              <a:schemeClr val="phClr">
+                <a:tint val="93000"/>
+                <a:satMod val="150000"/>
+                <a:shade val="98000"/>
+                <a:lumMod val="102000"/>
+              </a:schemeClr>
+            </a:gs>
+            <a:gs pos="50000">
+              <a:schemeClr val="phClr">
+                <a:tint val="98000"/>
+                <a:satMod val="130000"/>
+                <a:shade val="90000"/>
+                <a:lumMod val="103000"/>
+              </a:schemeClr>
+            </a:gs>
+            <a:gs pos="100000">
+              <a:schemeClr val="phClr">
+                <a:shade val="63000"/>
+                <a:satMod val="120000"/>
+              </a:schemeClr>
+            </a:gs>
+          </a:gsLst>
+          <a:lin ang="5400000" scaled="0"/>
+        </a:gradFill>
+      </a:bgFillStyleLst>
+    </a:fmtScheme>
+  </a:themeElements>
+  <a:objectDefaults/>
+  <a:extraClrSchemeLst/>
+  <a:extLst>
+    <a:ext uri="{05A4C25C-085E-4340-85A3-A5531E510DB2}">
+      <thm15:themeFamily xmlns:thm15="http://schemas.microsoft.com/office/thememl/2012/main" name="Office Theme" id="{62F939B6-93AF-4DB8-9C6B-D6C7DFDC589F}" vid="{4A3C46E8-61CC-4603-A589-7422A47A8E4A}"/>
+    </a:ext>
+  </a:extLst>
+</a:theme>
 </file>